--- a/images/cdp-public-cloud-semi-private-architecture-diagram.pptx
+++ b/images/cdp-public-cloud-semi-private-architecture-diagram.pptx
@@ -16930,83 +16930,6 @@
       <p:sp>
         <p:nvSpPr>
           <p:cNvPr id="162" name="Google Shape;162;p25"/>
-          <p:cNvSpPr txBox="1"/>
-          <p:nvPr/>
-        </p:nvSpPr>
-        <p:spPr>
-          <a:xfrm>
-            <a:off x="3190752" y="2833252"/>
-            <a:ext cx="1033200" cy="141000"/>
-          </a:xfrm>
-          <a:prstGeom prst="rect">
-            <a:avLst/>
-          </a:prstGeom>
-          <a:noFill/>
-          <a:ln>
-            <a:noFill/>
-          </a:ln>
-        </p:spPr>
-        <p:txBody>
-          <a:bodyPr anchorCtr="0" anchor="t" bIns="24075" lIns="0" spcFirstLastPara="1" rIns="0" wrap="square" tIns="24075">
-            <a:spAutoFit/>
-          </a:bodyPr>
-          <a:lstStyle/>
-          <a:p>
-            <a:pPr indent="0" lvl="0" marL="0" rtl="0" algn="ctr">
-              <a:spcBef>
-                <a:spcPts val="0"/>
-              </a:spcBef>
-              <a:spcAft>
-                <a:spcPts val="0"/>
-              </a:spcAft>
-              <a:buNone/>
-            </a:pPr>
-            <a:r>
-              <a:rPr lang="en" sz="600">
-                <a:solidFill>
-                  <a:schemeClr val="dk1"/>
-                </a:solidFill>
-              </a:rPr>
-              <a:t>Data Lake cluster nodes</a:t>
-            </a:r>
-            <a:endParaRPr sz="600">
-              <a:solidFill>
-                <a:schemeClr val="dk1"/>
-              </a:solidFill>
-            </a:endParaRPr>
-          </a:p>
-        </p:txBody>
-      </p:sp>
-      <p:pic>
-        <p:nvPicPr>
-          <p:cNvPr id="163" name="Google Shape;163;p25"/>
-          <p:cNvPicPr preferRelativeResize="0"/>
-          <p:nvPr/>
-        </p:nvPicPr>
-        <p:blipFill rotWithShape="1">
-          <a:blip r:embed="rId13">
-            <a:alphaModFix/>
-          </a:blip>
-          <a:srcRect b="0" l="0" r="0" t="0"/>
-          <a:stretch/>
-        </p:blipFill>
-        <p:spPr>
-          <a:xfrm>
-            <a:off x="3582825" y="2614996"/>
-            <a:ext cx="214312" cy="214312"/>
-          </a:xfrm>
-          <a:prstGeom prst="rect">
-            <a:avLst/>
-          </a:prstGeom>
-          <a:noFill/>
-          <a:ln>
-            <a:noFill/>
-          </a:ln>
-        </p:spPr>
-      </p:pic>
-      <p:sp>
-        <p:nvSpPr>
-          <p:cNvPr id="164" name="Google Shape;164;p25"/>
           <p:cNvSpPr/>
           <p:nvPr/>
         </p:nvSpPr>
@@ -17062,7 +16985,7 @@
       </p:sp>
       <p:pic>
         <p:nvPicPr>
-          <p:cNvPr id="165" name="Google Shape;165;p25"/>
+          <p:cNvPr id="163" name="Google Shape;163;p25"/>
           <p:cNvPicPr preferRelativeResize="0"/>
           <p:nvPr/>
         </p:nvPicPr>
@@ -17089,7 +17012,7 @@
       </p:pic>
       <p:sp>
         <p:nvSpPr>
-          <p:cNvPr id="166" name="Google Shape;166;p25"/>
+          <p:cNvPr id="164" name="Google Shape;164;p25"/>
           <p:cNvSpPr/>
           <p:nvPr/>
         </p:nvSpPr>
@@ -17145,7 +17068,7 @@
       </p:sp>
       <p:pic>
         <p:nvPicPr>
-          <p:cNvPr id="167" name="Google Shape;167;p25"/>
+          <p:cNvPr id="165" name="Google Shape;165;p25"/>
           <p:cNvPicPr preferRelativeResize="0"/>
           <p:nvPr/>
         </p:nvPicPr>
@@ -17172,7 +17095,7 @@
       </p:pic>
       <p:sp>
         <p:nvSpPr>
-          <p:cNvPr id="168" name="Google Shape;168;p25"/>
+          <p:cNvPr id="166" name="Google Shape;166;p25"/>
           <p:cNvSpPr txBox="1"/>
           <p:nvPr/>
         </p:nvSpPr>
@@ -17222,12 +17145,12 @@
       </p:sp>
       <p:pic>
         <p:nvPicPr>
-          <p:cNvPr id="169" name="Google Shape;169;p25"/>
+          <p:cNvPr id="167" name="Google Shape;167;p25"/>
           <p:cNvPicPr preferRelativeResize="0"/>
           <p:nvPr/>
         </p:nvPicPr>
         <p:blipFill rotWithShape="1">
-          <a:blip r:embed="rId14">
+          <a:blip r:embed="rId13">
             <a:alphaModFix/>
           </a:blip>
           <a:srcRect b="0" l="0" r="0" t="0"/>
@@ -17249,7 +17172,7 @@
       </p:pic>
       <p:sp>
         <p:nvSpPr>
-          <p:cNvPr id="170" name="Google Shape;170;p25"/>
+          <p:cNvPr id="168" name="Google Shape;168;p25"/>
           <p:cNvSpPr txBox="1"/>
           <p:nvPr/>
         </p:nvSpPr>
@@ -17295,14 +17218,14 @@
       </p:sp>
       <p:sp>
         <p:nvSpPr>
-          <p:cNvPr id="171" name="Google Shape;171;p25"/>
+          <p:cNvPr id="169" name="Google Shape;169;p25"/>
           <p:cNvSpPr txBox="1"/>
           <p:nvPr/>
         </p:nvSpPr>
         <p:spPr>
           <a:xfrm>
-            <a:off x="1325420" y="2830681"/>
-            <a:ext cx="1033200" cy="141000"/>
+            <a:off x="1325420" y="2788864"/>
+            <a:ext cx="1033200" cy="233400"/>
           </a:xfrm>
           <a:prstGeom prst="rect">
             <a:avLst/>
@@ -17333,7 +17256,7 @@
                   <a:schemeClr val="dk1"/>
                 </a:solidFill>
               </a:rPr>
-              <a:t>Data Lake cluster nodes</a:t>
+              <a:t>Environment and Data Lake cluster nodes</a:t>
             </a:r>
             <a:endParaRPr sz="600">
               <a:solidFill>
@@ -17345,12 +17268,12 @@
       </p:sp>
       <p:pic>
         <p:nvPicPr>
-          <p:cNvPr id="172" name="Google Shape;172;p25"/>
+          <p:cNvPr id="170" name="Google Shape;170;p25"/>
           <p:cNvPicPr preferRelativeResize="0"/>
           <p:nvPr/>
         </p:nvPicPr>
         <p:blipFill rotWithShape="1">
-          <a:blip r:embed="rId13">
+          <a:blip r:embed="rId14">
             <a:alphaModFix/>
           </a:blip>
           <a:srcRect b="0" l="0" r="0" t="0"/>
@@ -17358,7 +17281,61 @@
         </p:blipFill>
         <p:spPr>
           <a:xfrm>
-            <a:off x="1717494" y="2612425"/>
+            <a:off x="1717494" y="2570608"/>
+            <a:ext cx="214312" cy="214312"/>
+          </a:xfrm>
+          <a:prstGeom prst="rect">
+            <a:avLst/>
+          </a:prstGeom>
+          <a:noFill/>
+          <a:ln>
+            <a:noFill/>
+          </a:ln>
+        </p:spPr>
+      </p:pic>
+      <p:pic>
+        <p:nvPicPr>
+          <p:cNvPr id="171" name="Google Shape;171;p25"/>
+          <p:cNvPicPr preferRelativeResize="0"/>
+          <p:nvPr/>
+        </p:nvPicPr>
+        <p:blipFill rotWithShape="1">
+          <a:blip r:embed="rId14">
+            <a:alphaModFix/>
+          </a:blip>
+          <a:srcRect b="0" l="0" r="0" t="0"/>
+          <a:stretch/>
+        </p:blipFill>
+        <p:spPr>
+          <a:xfrm>
+            <a:off x="1427016" y="2570608"/>
+            <a:ext cx="214312" cy="214312"/>
+          </a:xfrm>
+          <a:prstGeom prst="rect">
+            <a:avLst/>
+          </a:prstGeom>
+          <a:noFill/>
+          <a:ln>
+            <a:noFill/>
+          </a:ln>
+        </p:spPr>
+      </p:pic>
+      <p:pic>
+        <p:nvPicPr>
+          <p:cNvPr id="172" name="Google Shape;172;p25"/>
+          <p:cNvPicPr preferRelativeResize="0"/>
+          <p:nvPr/>
+        </p:nvPicPr>
+        <p:blipFill rotWithShape="1">
+          <a:blip r:embed="rId14">
+            <a:alphaModFix/>
+          </a:blip>
+          <a:srcRect b="0" l="0" r="0" t="0"/>
+          <a:stretch/>
+        </p:blipFill>
+        <p:spPr>
+          <a:xfrm>
+            <a:off x="1985810" y="2570608"/>
             <a:ext cx="214312" cy="214312"/>
           </a:xfrm>
           <a:prstGeom prst="rect">
@@ -17378,245 +17355,6 @@
         </p:nvSpPr>
         <p:spPr>
           <a:xfrm>
-            <a:off x="6212717" y="2833269"/>
-            <a:ext cx="1033200" cy="141000"/>
-          </a:xfrm>
-          <a:prstGeom prst="rect">
-            <a:avLst/>
-          </a:prstGeom>
-          <a:noFill/>
-          <a:ln>
-            <a:noFill/>
-          </a:ln>
-        </p:spPr>
-        <p:txBody>
-          <a:bodyPr anchorCtr="0" anchor="t" bIns="24075" lIns="0" spcFirstLastPara="1" rIns="0" wrap="square" tIns="24075">
-            <a:spAutoFit/>
-          </a:bodyPr>
-          <a:lstStyle/>
-          <a:p>
-            <a:pPr indent="0" lvl="0" marL="0" rtl="0" algn="ctr">
-              <a:spcBef>
-                <a:spcPts val="0"/>
-              </a:spcBef>
-              <a:spcAft>
-                <a:spcPts val="0"/>
-              </a:spcAft>
-              <a:buNone/>
-            </a:pPr>
-            <a:r>
-              <a:rPr lang="en" sz="600">
-                <a:solidFill>
-                  <a:schemeClr val="dk1"/>
-                </a:solidFill>
-              </a:rPr>
-              <a:t>Data Lake cluster nodes</a:t>
-            </a:r>
-            <a:endParaRPr sz="600">
-              <a:solidFill>
-                <a:schemeClr val="dk1"/>
-              </a:solidFill>
-            </a:endParaRPr>
-          </a:p>
-        </p:txBody>
-      </p:sp>
-      <p:pic>
-        <p:nvPicPr>
-          <p:cNvPr id="174" name="Google Shape;174;p25"/>
-          <p:cNvPicPr preferRelativeResize="0"/>
-          <p:nvPr/>
-        </p:nvPicPr>
-        <p:blipFill rotWithShape="1">
-          <a:blip r:embed="rId13">
-            <a:alphaModFix/>
-          </a:blip>
-          <a:srcRect b="0" l="0" r="0" t="0"/>
-          <a:stretch/>
-        </p:blipFill>
-        <p:spPr>
-          <a:xfrm>
-            <a:off x="6604791" y="2615013"/>
-            <a:ext cx="214312" cy="214312"/>
-          </a:xfrm>
-          <a:prstGeom prst="rect">
-            <a:avLst/>
-          </a:prstGeom>
-          <a:noFill/>
-          <a:ln>
-            <a:noFill/>
-          </a:ln>
-        </p:spPr>
-      </p:pic>
-      <p:pic>
-        <p:nvPicPr>
-          <p:cNvPr id="175" name="Google Shape;175;p25"/>
-          <p:cNvPicPr preferRelativeResize="0"/>
-          <p:nvPr/>
-        </p:nvPicPr>
-        <p:blipFill rotWithShape="1">
-          <a:blip r:embed="rId13">
-            <a:alphaModFix/>
-          </a:blip>
-          <a:srcRect b="0" l="0" r="0" t="0"/>
-          <a:stretch/>
-        </p:blipFill>
-        <p:spPr>
-          <a:xfrm>
-            <a:off x="1427016" y="2612425"/>
-            <a:ext cx="214312" cy="214312"/>
-          </a:xfrm>
-          <a:prstGeom prst="rect">
-            <a:avLst/>
-          </a:prstGeom>
-          <a:noFill/>
-          <a:ln>
-            <a:noFill/>
-          </a:ln>
-        </p:spPr>
-      </p:pic>
-      <p:pic>
-        <p:nvPicPr>
-          <p:cNvPr id="176" name="Google Shape;176;p25"/>
-          <p:cNvPicPr preferRelativeResize="0"/>
-          <p:nvPr/>
-        </p:nvPicPr>
-        <p:blipFill rotWithShape="1">
-          <a:blip r:embed="rId13">
-            <a:alphaModFix/>
-          </a:blip>
-          <a:srcRect b="0" l="0" r="0" t="0"/>
-          <a:stretch/>
-        </p:blipFill>
-        <p:spPr>
-          <a:xfrm>
-            <a:off x="1985810" y="2612425"/>
-            <a:ext cx="214312" cy="214312"/>
-          </a:xfrm>
-          <a:prstGeom prst="rect">
-            <a:avLst/>
-          </a:prstGeom>
-          <a:noFill/>
-          <a:ln>
-            <a:noFill/>
-          </a:ln>
-        </p:spPr>
-      </p:pic>
-      <p:pic>
-        <p:nvPicPr>
-          <p:cNvPr id="177" name="Google Shape;177;p25"/>
-          <p:cNvPicPr preferRelativeResize="0"/>
-          <p:nvPr/>
-        </p:nvPicPr>
-        <p:blipFill rotWithShape="1">
-          <a:blip r:embed="rId13">
-            <a:alphaModFix/>
-          </a:blip>
-          <a:srcRect b="0" l="0" r="0" t="0"/>
-          <a:stretch/>
-        </p:blipFill>
-        <p:spPr>
-          <a:xfrm>
-            <a:off x="3306214" y="2614068"/>
-            <a:ext cx="214312" cy="214312"/>
-          </a:xfrm>
-          <a:prstGeom prst="rect">
-            <a:avLst/>
-          </a:prstGeom>
-          <a:noFill/>
-          <a:ln>
-            <a:noFill/>
-          </a:ln>
-        </p:spPr>
-      </p:pic>
-      <p:pic>
-        <p:nvPicPr>
-          <p:cNvPr id="178" name="Google Shape;178;p25"/>
-          <p:cNvPicPr preferRelativeResize="0"/>
-          <p:nvPr/>
-        </p:nvPicPr>
-        <p:blipFill rotWithShape="1">
-          <a:blip r:embed="rId13">
-            <a:alphaModFix/>
-          </a:blip>
-          <a:srcRect b="0" l="0" r="0" t="0"/>
-          <a:stretch/>
-        </p:blipFill>
-        <p:spPr>
-          <a:xfrm>
-            <a:off x="3865008" y="2614068"/>
-            <a:ext cx="214312" cy="214312"/>
-          </a:xfrm>
-          <a:prstGeom prst="rect">
-            <a:avLst/>
-          </a:prstGeom>
-          <a:noFill/>
-          <a:ln>
-            <a:noFill/>
-          </a:ln>
-        </p:spPr>
-      </p:pic>
-      <p:pic>
-        <p:nvPicPr>
-          <p:cNvPr id="179" name="Google Shape;179;p25"/>
-          <p:cNvPicPr preferRelativeResize="0"/>
-          <p:nvPr/>
-        </p:nvPicPr>
-        <p:blipFill rotWithShape="1">
-          <a:blip r:embed="rId13">
-            <a:alphaModFix/>
-          </a:blip>
-          <a:srcRect b="0" l="0" r="0" t="0"/>
-          <a:stretch/>
-        </p:blipFill>
-        <p:spPr>
-          <a:xfrm>
-            <a:off x="6324218" y="2615013"/>
-            <a:ext cx="214312" cy="214312"/>
-          </a:xfrm>
-          <a:prstGeom prst="rect">
-            <a:avLst/>
-          </a:prstGeom>
-          <a:noFill/>
-          <a:ln>
-            <a:noFill/>
-          </a:ln>
-        </p:spPr>
-      </p:pic>
-      <p:pic>
-        <p:nvPicPr>
-          <p:cNvPr id="180" name="Google Shape;180;p25"/>
-          <p:cNvPicPr preferRelativeResize="0"/>
-          <p:nvPr/>
-        </p:nvPicPr>
-        <p:blipFill rotWithShape="1">
-          <a:blip r:embed="rId13">
-            <a:alphaModFix/>
-          </a:blip>
-          <a:srcRect b="0" l="0" r="0" t="0"/>
-          <a:stretch/>
-        </p:blipFill>
-        <p:spPr>
-          <a:xfrm>
-            <a:off x="6883012" y="2615013"/>
-            <a:ext cx="214312" cy="214312"/>
-          </a:xfrm>
-          <a:prstGeom prst="rect">
-            <a:avLst/>
-          </a:prstGeom>
-          <a:noFill/>
-          <a:ln>
-            <a:noFill/>
-          </a:ln>
-        </p:spPr>
-      </p:pic>
-      <p:sp>
-        <p:nvSpPr>
-          <p:cNvPr id="181" name="Google Shape;181;p25"/>
-          <p:cNvSpPr txBox="1"/>
-          <p:nvPr/>
-        </p:nvSpPr>
-        <p:spPr>
-          <a:xfrm>
             <a:off x="3691763" y="2206989"/>
             <a:ext cx="636000" cy="233400"/>
           </a:xfrm>
@@ -17629,7 +17367,7 @@
           </a:ln>
         </p:spPr>
         <p:txBody>
-          <a:bodyPr anchorCtr="0" anchor="t" bIns="24075" lIns="48150" spcFirstLastPara="1" rIns="48150" wrap="square" tIns="24075">
+          <a:bodyPr anchorCtr="0" anchor="t" bIns="24075" lIns="0" spcFirstLastPara="1" rIns="0" wrap="square" tIns="24075">
             <a:spAutoFit/>
           </a:bodyPr>
           <a:lstStyle/>
@@ -17684,7 +17422,7 @@
       </p:sp>
       <p:pic>
         <p:nvPicPr>
-          <p:cNvPr id="182" name="Google Shape;182;p25"/>
+          <p:cNvPr id="174" name="Google Shape;174;p25"/>
           <p:cNvPicPr preferRelativeResize="0"/>
           <p:nvPr/>
         </p:nvPicPr>
@@ -17711,13 +17449,445 @@
       </p:pic>
       <p:sp>
         <p:nvSpPr>
+          <p:cNvPr id="175" name="Google Shape;175;p25"/>
+          <p:cNvSpPr txBox="1"/>
+          <p:nvPr/>
+        </p:nvSpPr>
+        <p:spPr>
+          <a:xfrm>
+            <a:off x="3128302" y="1284650"/>
+            <a:ext cx="549900" cy="233400"/>
+          </a:xfrm>
+          <a:prstGeom prst="rect">
+            <a:avLst/>
+          </a:prstGeom>
+          <a:noFill/>
+          <a:ln>
+            <a:noFill/>
+          </a:ln>
+        </p:spPr>
+        <p:txBody>
+          <a:bodyPr anchorCtr="0" anchor="t" bIns="24075" lIns="48150" spcFirstLastPara="1" rIns="48150" wrap="square" tIns="24075">
+            <a:spAutoFit/>
+          </a:bodyPr>
+          <a:lstStyle/>
+          <a:p>
+            <a:pPr indent="0" lvl="0" marL="0" marR="0" rtl="0" algn="ctr">
+              <a:spcBef>
+                <a:spcPts val="0"/>
+              </a:spcBef>
+              <a:spcAft>
+                <a:spcPts val="0"/>
+              </a:spcAft>
+              <a:buNone/>
+            </a:pPr>
+            <a:r>
+              <a:rPr lang="en" sz="600">
+                <a:solidFill>
+                  <a:schemeClr val="dk1"/>
+                </a:solidFill>
+              </a:rPr>
+              <a:t>Public </a:t>
+            </a:r>
+            <a:r>
+              <a:rPr b="0" i="0" lang="en" sz="600" u="none" cap="none" strike="noStrike">
+                <a:solidFill>
+                  <a:schemeClr val="dk1"/>
+                </a:solidFill>
+                <a:latin typeface="Arial"/>
+                <a:ea typeface="Arial"/>
+                <a:cs typeface="Arial"/>
+                <a:sym typeface="Arial"/>
+              </a:rPr>
+              <a:t>NAT</a:t>
+            </a:r>
+            <a:br>
+              <a:rPr b="0" i="0" lang="en" sz="600" u="none" cap="none" strike="noStrike">
+                <a:solidFill>
+                  <a:schemeClr val="dk1"/>
+                </a:solidFill>
+                <a:latin typeface="Arial"/>
+                <a:ea typeface="Arial"/>
+                <a:cs typeface="Arial"/>
+                <a:sym typeface="Arial"/>
+              </a:rPr>
+            </a:br>
+            <a:r>
+              <a:rPr b="0" i="0" lang="en" sz="600" u="none" cap="none" strike="noStrike">
+                <a:solidFill>
+                  <a:schemeClr val="dk1"/>
+                </a:solidFill>
+                <a:latin typeface="Arial"/>
+                <a:ea typeface="Arial"/>
+                <a:cs typeface="Arial"/>
+                <a:sym typeface="Arial"/>
+              </a:rPr>
+              <a:t>gateway</a:t>
+            </a:r>
+            <a:endParaRPr sz="700"/>
+          </a:p>
+        </p:txBody>
+      </p:sp>
+      <p:pic>
+        <p:nvPicPr>
+          <p:cNvPr id="176" name="Google Shape;176;p25"/>
+          <p:cNvPicPr preferRelativeResize="0"/>
+          <p:nvPr/>
+        </p:nvPicPr>
+        <p:blipFill rotWithShape="1">
+          <a:blip r:embed="rId5">
+            <a:alphaModFix/>
+          </a:blip>
+          <a:srcRect b="0" l="0" r="0" t="0"/>
+          <a:stretch/>
+        </p:blipFill>
+        <p:spPr>
+          <a:xfrm>
+            <a:off x="3297188" y="1056714"/>
+            <a:ext cx="214312" cy="214312"/>
+          </a:xfrm>
+          <a:prstGeom prst="rect">
+            <a:avLst/>
+          </a:prstGeom>
+          <a:noFill/>
+          <a:ln>
+            <a:noFill/>
+          </a:ln>
+        </p:spPr>
+      </p:pic>
+      <p:sp>
+        <p:nvSpPr>
+          <p:cNvPr id="177" name="Google Shape;177;p25"/>
+          <p:cNvSpPr txBox="1"/>
+          <p:nvPr/>
+        </p:nvSpPr>
+        <p:spPr>
+          <a:xfrm>
+            <a:off x="3667265" y="1286008"/>
+            <a:ext cx="636000" cy="233400"/>
+          </a:xfrm>
+          <a:prstGeom prst="rect">
+            <a:avLst/>
+          </a:prstGeom>
+          <a:noFill/>
+          <a:ln>
+            <a:noFill/>
+          </a:ln>
+        </p:spPr>
+        <p:txBody>
+          <a:bodyPr anchorCtr="0" anchor="t" bIns="24075" lIns="0" spcFirstLastPara="1" rIns="0" wrap="square" tIns="24075">
+            <a:spAutoFit/>
+          </a:bodyPr>
+          <a:lstStyle/>
+          <a:p>
+            <a:pPr indent="0" lvl="0" marL="0" marR="0" rtl="0" algn="ctr">
+              <a:spcBef>
+                <a:spcPts val="0"/>
+              </a:spcBef>
+              <a:spcAft>
+                <a:spcPts val="0"/>
+              </a:spcAft>
+              <a:buNone/>
+            </a:pPr>
+            <a:r>
+              <a:rPr b="0" i="0" lang="en" sz="600" u="none" cap="none" strike="noStrike">
+                <a:solidFill>
+                  <a:schemeClr val="dk1"/>
+                </a:solidFill>
+                <a:latin typeface="Arial"/>
+                <a:ea typeface="Arial"/>
+                <a:cs typeface="Arial"/>
+                <a:sym typeface="Arial"/>
+              </a:rPr>
+              <a:t>Public Network</a:t>
+            </a:r>
+            <a:br>
+              <a:rPr b="0" i="0" lang="en" sz="600" u="none" cap="none" strike="noStrike">
+                <a:solidFill>
+                  <a:schemeClr val="dk1"/>
+                </a:solidFill>
+                <a:latin typeface="Arial"/>
+                <a:ea typeface="Arial"/>
+                <a:cs typeface="Arial"/>
+                <a:sym typeface="Arial"/>
+              </a:rPr>
+            </a:br>
+            <a:r>
+              <a:rPr b="0" i="0" lang="en" sz="600" u="none" cap="none" strike="noStrike">
+                <a:solidFill>
+                  <a:schemeClr val="dk1"/>
+                </a:solidFill>
+                <a:latin typeface="Arial"/>
+                <a:ea typeface="Arial"/>
+                <a:cs typeface="Arial"/>
+                <a:sym typeface="Arial"/>
+              </a:rPr>
+              <a:t>Load Balancer</a:t>
+            </a:r>
+            <a:endParaRPr sz="700"/>
+          </a:p>
+        </p:txBody>
+      </p:sp>
+      <p:pic>
+        <p:nvPicPr>
+          <p:cNvPr id="178" name="Google Shape;178;p25"/>
+          <p:cNvPicPr preferRelativeResize="0"/>
+          <p:nvPr/>
+        </p:nvPicPr>
+        <p:blipFill rotWithShape="1">
+          <a:blip r:embed="rId10">
+            <a:alphaModFix/>
+          </a:blip>
+          <a:srcRect b="0" l="0" r="0" t="0"/>
+          <a:stretch/>
+        </p:blipFill>
+        <p:spPr>
+          <a:xfrm>
+            <a:off x="3878103" y="1056723"/>
+            <a:ext cx="214312" cy="214312"/>
+          </a:xfrm>
+          <a:prstGeom prst="rect">
+            <a:avLst/>
+          </a:prstGeom>
+          <a:noFill/>
+          <a:ln>
+            <a:noFill/>
+          </a:ln>
+        </p:spPr>
+      </p:pic>
+      <p:sp>
+        <p:nvSpPr>
+          <p:cNvPr id="179" name="Google Shape;179;p25"/>
+          <p:cNvSpPr txBox="1"/>
+          <p:nvPr/>
+        </p:nvSpPr>
+        <p:spPr>
+          <a:xfrm>
+            <a:off x="3128302" y="2206020"/>
+            <a:ext cx="549900" cy="233400"/>
+          </a:xfrm>
+          <a:prstGeom prst="rect">
+            <a:avLst/>
+          </a:prstGeom>
+          <a:noFill/>
+          <a:ln>
+            <a:noFill/>
+          </a:ln>
+        </p:spPr>
+        <p:txBody>
+          <a:bodyPr anchorCtr="0" anchor="t" bIns="24075" lIns="48150" spcFirstLastPara="1" rIns="48150" wrap="square" tIns="24075">
+            <a:spAutoFit/>
+          </a:bodyPr>
+          <a:lstStyle/>
+          <a:p>
+            <a:pPr indent="0" lvl="0" marL="0" marR="0" rtl="0" algn="ctr">
+              <a:spcBef>
+                <a:spcPts val="0"/>
+              </a:spcBef>
+              <a:spcAft>
+                <a:spcPts val="0"/>
+              </a:spcAft>
+              <a:buNone/>
+            </a:pPr>
+            <a:r>
+              <a:rPr lang="en" sz="600">
+                <a:solidFill>
+                  <a:schemeClr val="dk1"/>
+                </a:solidFill>
+              </a:rPr>
+              <a:t>Private</a:t>
+            </a:r>
+            <a:r>
+              <a:rPr lang="en" sz="600">
+                <a:solidFill>
+                  <a:schemeClr val="dk1"/>
+                </a:solidFill>
+              </a:rPr>
+              <a:t> </a:t>
+            </a:r>
+            <a:r>
+              <a:rPr b="0" i="0" lang="en" sz="600" u="none" cap="none" strike="noStrike">
+                <a:solidFill>
+                  <a:schemeClr val="dk1"/>
+                </a:solidFill>
+                <a:latin typeface="Arial"/>
+                <a:ea typeface="Arial"/>
+                <a:cs typeface="Arial"/>
+                <a:sym typeface="Arial"/>
+              </a:rPr>
+              <a:t>NAT</a:t>
+            </a:r>
+            <a:br>
+              <a:rPr b="0" i="0" lang="en" sz="600" u="none" cap="none" strike="noStrike">
+                <a:solidFill>
+                  <a:schemeClr val="dk1"/>
+                </a:solidFill>
+                <a:latin typeface="Arial"/>
+                <a:ea typeface="Arial"/>
+                <a:cs typeface="Arial"/>
+                <a:sym typeface="Arial"/>
+              </a:rPr>
+            </a:br>
+            <a:r>
+              <a:rPr b="0" i="0" lang="en" sz="600" u="none" cap="none" strike="noStrike">
+                <a:solidFill>
+                  <a:schemeClr val="dk1"/>
+                </a:solidFill>
+                <a:latin typeface="Arial"/>
+                <a:ea typeface="Arial"/>
+                <a:cs typeface="Arial"/>
+                <a:sym typeface="Arial"/>
+              </a:rPr>
+              <a:t>gateway</a:t>
+            </a:r>
+            <a:endParaRPr sz="700"/>
+          </a:p>
+        </p:txBody>
+      </p:sp>
+      <p:pic>
+        <p:nvPicPr>
+          <p:cNvPr id="180" name="Google Shape;180;p25"/>
+          <p:cNvPicPr preferRelativeResize="0"/>
+          <p:nvPr/>
+        </p:nvPicPr>
+        <p:blipFill rotWithShape="1">
+          <a:blip r:embed="rId5">
+            <a:alphaModFix/>
+          </a:blip>
+          <a:srcRect b="0" l="0" r="0" t="0"/>
+          <a:stretch/>
+        </p:blipFill>
+        <p:spPr>
+          <a:xfrm>
+            <a:off x="3297188" y="1985053"/>
+            <a:ext cx="214312" cy="214312"/>
+          </a:xfrm>
+          <a:prstGeom prst="rect">
+            <a:avLst/>
+          </a:prstGeom>
+          <a:noFill/>
+          <a:ln>
+            <a:noFill/>
+          </a:ln>
+        </p:spPr>
+      </p:pic>
+      <p:sp>
+        <p:nvSpPr>
+          <p:cNvPr id="181" name="Google Shape;181;p25"/>
+          <p:cNvSpPr txBox="1"/>
+          <p:nvPr/>
+        </p:nvSpPr>
+        <p:spPr>
+          <a:xfrm>
+            <a:off x="1257685" y="2206020"/>
+            <a:ext cx="549900" cy="233400"/>
+          </a:xfrm>
+          <a:prstGeom prst="rect">
+            <a:avLst/>
+          </a:prstGeom>
+          <a:noFill/>
+          <a:ln>
+            <a:noFill/>
+          </a:ln>
+        </p:spPr>
+        <p:txBody>
+          <a:bodyPr anchorCtr="0" anchor="t" bIns="24075" lIns="48150" spcFirstLastPara="1" rIns="48150" wrap="square" tIns="24075">
+            <a:spAutoFit/>
+          </a:bodyPr>
+          <a:lstStyle/>
+          <a:p>
+            <a:pPr indent="0" lvl="0" marL="0" marR="0" rtl="0" algn="ctr">
+              <a:spcBef>
+                <a:spcPts val="0"/>
+              </a:spcBef>
+              <a:spcAft>
+                <a:spcPts val="0"/>
+              </a:spcAft>
+              <a:buNone/>
+            </a:pPr>
+            <a:r>
+              <a:rPr lang="en" sz="600">
+                <a:solidFill>
+                  <a:schemeClr val="dk1"/>
+                </a:solidFill>
+              </a:rPr>
+              <a:t>Private </a:t>
+            </a:r>
+            <a:r>
+              <a:rPr b="0" i="0" lang="en" sz="600" u="none" cap="none" strike="noStrike">
+                <a:solidFill>
+                  <a:schemeClr val="dk1"/>
+                </a:solidFill>
+                <a:latin typeface="Arial"/>
+                <a:ea typeface="Arial"/>
+                <a:cs typeface="Arial"/>
+                <a:sym typeface="Arial"/>
+              </a:rPr>
+              <a:t>NAT</a:t>
+            </a:r>
+            <a:br>
+              <a:rPr b="0" i="0" lang="en" sz="600" u="none" cap="none" strike="noStrike">
+                <a:solidFill>
+                  <a:schemeClr val="dk1"/>
+                </a:solidFill>
+                <a:latin typeface="Arial"/>
+                <a:ea typeface="Arial"/>
+                <a:cs typeface="Arial"/>
+                <a:sym typeface="Arial"/>
+              </a:rPr>
+            </a:br>
+            <a:r>
+              <a:rPr b="0" i="0" lang="en" sz="600" u="none" cap="none" strike="noStrike">
+                <a:solidFill>
+                  <a:schemeClr val="dk1"/>
+                </a:solidFill>
+                <a:latin typeface="Arial"/>
+                <a:ea typeface="Arial"/>
+                <a:cs typeface="Arial"/>
+                <a:sym typeface="Arial"/>
+              </a:rPr>
+              <a:t>gateway</a:t>
+            </a:r>
+            <a:endParaRPr sz="700"/>
+          </a:p>
+        </p:txBody>
+      </p:sp>
+      <p:pic>
+        <p:nvPicPr>
+          <p:cNvPr id="182" name="Google Shape;182;p25"/>
+          <p:cNvPicPr preferRelativeResize="0"/>
+          <p:nvPr/>
+        </p:nvPicPr>
+        <p:blipFill rotWithShape="1">
+          <a:blip r:embed="rId5">
+            <a:alphaModFix/>
+          </a:blip>
+          <a:srcRect b="0" l="0" r="0" t="0"/>
+          <a:stretch/>
+        </p:blipFill>
+        <p:spPr>
+          <a:xfrm>
+            <a:off x="1426571" y="1985053"/>
+            <a:ext cx="214312" cy="214312"/>
+          </a:xfrm>
+          <a:prstGeom prst="rect">
+            <a:avLst/>
+          </a:prstGeom>
+          <a:noFill/>
+          <a:ln>
+            <a:noFill/>
+          </a:ln>
+        </p:spPr>
+      </p:pic>
+      <p:sp>
+        <p:nvSpPr>
           <p:cNvPr id="183" name="Google Shape;183;p25"/>
           <p:cNvSpPr txBox="1"/>
           <p:nvPr/>
         </p:nvSpPr>
         <p:spPr>
           <a:xfrm>
-            <a:off x="3128302" y="1284650"/>
+            <a:off x="6439750" y="1284650"/>
             <a:ext cx="549900" cy="233400"/>
           </a:xfrm>
           <a:prstGeom prst="rect">
@@ -17805,7 +17975,7 @@
         </p:blipFill>
         <p:spPr>
           <a:xfrm>
-            <a:off x="3297188" y="1056714"/>
+            <a:off x="6608636" y="1056714"/>
             <a:ext cx="214312" cy="214312"/>
           </a:xfrm>
           <a:prstGeom prst="rect">
@@ -17825,223 +17995,7 @@
         </p:nvSpPr>
         <p:spPr>
           <a:xfrm>
-            <a:off x="3667265" y="1286008"/>
-            <a:ext cx="636000" cy="233400"/>
-          </a:xfrm>
-          <a:prstGeom prst="rect">
-            <a:avLst/>
-          </a:prstGeom>
-          <a:noFill/>
-          <a:ln>
-            <a:noFill/>
-          </a:ln>
-        </p:spPr>
-        <p:txBody>
-          <a:bodyPr anchorCtr="0" anchor="t" bIns="24075" lIns="0" spcFirstLastPara="1" rIns="0" wrap="square" tIns="24075">
-            <a:spAutoFit/>
-          </a:bodyPr>
-          <a:lstStyle/>
-          <a:p>
-            <a:pPr indent="0" lvl="0" marL="0" marR="0" rtl="0" algn="ctr">
-              <a:spcBef>
-                <a:spcPts val="0"/>
-              </a:spcBef>
-              <a:spcAft>
-                <a:spcPts val="0"/>
-              </a:spcAft>
-              <a:buNone/>
-            </a:pPr>
-            <a:r>
-              <a:rPr b="0" i="0" lang="en" sz="600" u="none" cap="none" strike="noStrike">
-                <a:solidFill>
-                  <a:schemeClr val="dk1"/>
-                </a:solidFill>
-                <a:latin typeface="Arial"/>
-                <a:ea typeface="Arial"/>
-                <a:cs typeface="Arial"/>
-                <a:sym typeface="Arial"/>
-              </a:rPr>
-              <a:t>Public Network</a:t>
-            </a:r>
-            <a:br>
-              <a:rPr b="0" i="0" lang="en" sz="600" u="none" cap="none" strike="noStrike">
-                <a:solidFill>
-                  <a:schemeClr val="dk1"/>
-                </a:solidFill>
-                <a:latin typeface="Arial"/>
-                <a:ea typeface="Arial"/>
-                <a:cs typeface="Arial"/>
-                <a:sym typeface="Arial"/>
-              </a:rPr>
-            </a:br>
-            <a:r>
-              <a:rPr b="0" i="0" lang="en" sz="600" u="none" cap="none" strike="noStrike">
-                <a:solidFill>
-                  <a:schemeClr val="dk1"/>
-                </a:solidFill>
-                <a:latin typeface="Arial"/>
-                <a:ea typeface="Arial"/>
-                <a:cs typeface="Arial"/>
-                <a:sym typeface="Arial"/>
-              </a:rPr>
-              <a:t>Load Balancer</a:t>
-            </a:r>
-            <a:endParaRPr sz="700"/>
-          </a:p>
-        </p:txBody>
-      </p:sp>
-      <p:pic>
-        <p:nvPicPr>
-          <p:cNvPr id="186" name="Google Shape;186;p25"/>
-          <p:cNvPicPr preferRelativeResize="0"/>
-          <p:nvPr/>
-        </p:nvPicPr>
-        <p:blipFill rotWithShape="1">
-          <a:blip r:embed="rId10">
-            <a:alphaModFix/>
-          </a:blip>
-          <a:srcRect b="0" l="0" r="0" t="0"/>
-          <a:stretch/>
-        </p:blipFill>
-        <p:spPr>
-          <a:xfrm>
-            <a:off x="3878103" y="1056723"/>
-            <a:ext cx="214312" cy="214312"/>
-          </a:xfrm>
-          <a:prstGeom prst="rect">
-            <a:avLst/>
-          </a:prstGeom>
-          <a:noFill/>
-          <a:ln>
-            <a:noFill/>
-          </a:ln>
-        </p:spPr>
-      </p:pic>
-      <p:sp>
-        <p:nvSpPr>
-          <p:cNvPr id="187" name="Google Shape;187;p25"/>
-          <p:cNvSpPr txBox="1"/>
-          <p:nvPr/>
-        </p:nvSpPr>
-        <p:spPr>
-          <a:xfrm>
-            <a:off x="3128302" y="2206020"/>
-            <a:ext cx="549900" cy="233400"/>
-          </a:xfrm>
-          <a:prstGeom prst="rect">
-            <a:avLst/>
-          </a:prstGeom>
-          <a:noFill/>
-          <a:ln>
-            <a:noFill/>
-          </a:ln>
-        </p:spPr>
-        <p:txBody>
-          <a:bodyPr anchorCtr="0" anchor="t" bIns="24075" lIns="48150" spcFirstLastPara="1" rIns="48150" wrap="square" tIns="24075">
-            <a:spAutoFit/>
-          </a:bodyPr>
-          <a:lstStyle/>
-          <a:p>
-            <a:pPr indent="0" lvl="0" marL="0" marR="0" rtl="0" algn="ctr">
-              <a:spcBef>
-                <a:spcPts val="0"/>
-              </a:spcBef>
-              <a:spcAft>
-                <a:spcPts val="0"/>
-              </a:spcAft>
-              <a:buNone/>
-            </a:pPr>
-            <a:r>
-              <a:rPr lang="en" sz="600">
-                <a:solidFill>
-                  <a:schemeClr val="dk1"/>
-                </a:solidFill>
-              </a:rPr>
-              <a:t>Private</a:t>
-            </a:r>
-            <a:r>
-              <a:rPr lang="en" sz="600">
-                <a:solidFill>
-                  <a:schemeClr val="dk1"/>
-                </a:solidFill>
-              </a:rPr>
-              <a:t> </a:t>
-            </a:r>
-            <a:r>
-              <a:rPr b="0" i="0" lang="en" sz="600" u="none" cap="none" strike="noStrike">
-                <a:solidFill>
-                  <a:schemeClr val="dk1"/>
-                </a:solidFill>
-                <a:latin typeface="Arial"/>
-                <a:ea typeface="Arial"/>
-                <a:cs typeface="Arial"/>
-                <a:sym typeface="Arial"/>
-              </a:rPr>
-              <a:t>NAT</a:t>
-            </a:r>
-            <a:br>
-              <a:rPr b="0" i="0" lang="en" sz="600" u="none" cap="none" strike="noStrike">
-                <a:solidFill>
-                  <a:schemeClr val="dk1"/>
-                </a:solidFill>
-                <a:latin typeface="Arial"/>
-                <a:ea typeface="Arial"/>
-                <a:cs typeface="Arial"/>
-                <a:sym typeface="Arial"/>
-              </a:rPr>
-            </a:br>
-            <a:r>
-              <a:rPr b="0" i="0" lang="en" sz="600" u="none" cap="none" strike="noStrike">
-                <a:solidFill>
-                  <a:schemeClr val="dk1"/>
-                </a:solidFill>
-                <a:latin typeface="Arial"/>
-                <a:ea typeface="Arial"/>
-                <a:cs typeface="Arial"/>
-                <a:sym typeface="Arial"/>
-              </a:rPr>
-              <a:t>gateway</a:t>
-            </a:r>
-            <a:endParaRPr sz="700"/>
-          </a:p>
-        </p:txBody>
-      </p:sp>
-      <p:pic>
-        <p:nvPicPr>
-          <p:cNvPr id="188" name="Google Shape;188;p25"/>
-          <p:cNvPicPr preferRelativeResize="0"/>
-          <p:nvPr/>
-        </p:nvPicPr>
-        <p:blipFill rotWithShape="1">
-          <a:blip r:embed="rId5">
-            <a:alphaModFix/>
-          </a:blip>
-          <a:srcRect b="0" l="0" r="0" t="0"/>
-          <a:stretch/>
-        </p:blipFill>
-        <p:spPr>
-          <a:xfrm>
-            <a:off x="3297188" y="1985053"/>
-            <a:ext cx="214312" cy="214312"/>
-          </a:xfrm>
-          <a:prstGeom prst="rect">
-            <a:avLst/>
-          </a:prstGeom>
-          <a:noFill/>
-          <a:ln>
-            <a:noFill/>
-          </a:ln>
-        </p:spPr>
-      </p:pic>
-      <p:sp>
-        <p:nvSpPr>
-          <p:cNvPr id="189" name="Google Shape;189;p25"/>
-          <p:cNvSpPr txBox="1"/>
-          <p:nvPr/>
-        </p:nvSpPr>
-        <p:spPr>
-          <a:xfrm>
-            <a:off x="1257685" y="2206020"/>
+            <a:off x="6439750" y="2206020"/>
             <a:ext cx="549900" cy="233400"/>
           </a:xfrm>
           <a:prstGeom prst="rect">
@@ -18116,223 +18070,7 @@
       </p:sp>
       <p:pic>
         <p:nvPicPr>
-          <p:cNvPr id="190" name="Google Shape;190;p25"/>
-          <p:cNvPicPr preferRelativeResize="0"/>
-          <p:nvPr/>
-        </p:nvPicPr>
-        <p:blipFill rotWithShape="1">
-          <a:blip r:embed="rId5">
-            <a:alphaModFix/>
-          </a:blip>
-          <a:srcRect b="0" l="0" r="0" t="0"/>
-          <a:stretch/>
-        </p:blipFill>
-        <p:spPr>
-          <a:xfrm>
-            <a:off x="1426571" y="1985053"/>
-            <a:ext cx="214312" cy="214312"/>
-          </a:xfrm>
-          <a:prstGeom prst="rect">
-            <a:avLst/>
-          </a:prstGeom>
-          <a:noFill/>
-          <a:ln>
-            <a:noFill/>
-          </a:ln>
-        </p:spPr>
-      </p:pic>
-      <p:sp>
-        <p:nvSpPr>
-          <p:cNvPr id="191" name="Google Shape;191;p25"/>
-          <p:cNvSpPr txBox="1"/>
-          <p:nvPr/>
-        </p:nvSpPr>
-        <p:spPr>
-          <a:xfrm>
-            <a:off x="6439750" y="1284650"/>
-            <a:ext cx="549900" cy="233400"/>
-          </a:xfrm>
-          <a:prstGeom prst="rect">
-            <a:avLst/>
-          </a:prstGeom>
-          <a:noFill/>
-          <a:ln>
-            <a:noFill/>
-          </a:ln>
-        </p:spPr>
-        <p:txBody>
-          <a:bodyPr anchorCtr="0" anchor="t" bIns="24075" lIns="48150" spcFirstLastPara="1" rIns="48150" wrap="square" tIns="24075">
-            <a:spAutoFit/>
-          </a:bodyPr>
-          <a:lstStyle/>
-          <a:p>
-            <a:pPr indent="0" lvl="0" marL="0" marR="0" rtl="0" algn="ctr">
-              <a:spcBef>
-                <a:spcPts val="0"/>
-              </a:spcBef>
-              <a:spcAft>
-                <a:spcPts val="0"/>
-              </a:spcAft>
-              <a:buNone/>
-            </a:pPr>
-            <a:r>
-              <a:rPr lang="en" sz="600">
-                <a:solidFill>
-                  <a:schemeClr val="dk1"/>
-                </a:solidFill>
-              </a:rPr>
-              <a:t>Public </a:t>
-            </a:r>
-            <a:r>
-              <a:rPr b="0" i="0" lang="en" sz="600" u="none" cap="none" strike="noStrike">
-                <a:solidFill>
-                  <a:schemeClr val="dk1"/>
-                </a:solidFill>
-                <a:latin typeface="Arial"/>
-                <a:ea typeface="Arial"/>
-                <a:cs typeface="Arial"/>
-                <a:sym typeface="Arial"/>
-              </a:rPr>
-              <a:t>NAT</a:t>
-            </a:r>
-            <a:br>
-              <a:rPr b="0" i="0" lang="en" sz="600" u="none" cap="none" strike="noStrike">
-                <a:solidFill>
-                  <a:schemeClr val="dk1"/>
-                </a:solidFill>
-                <a:latin typeface="Arial"/>
-                <a:ea typeface="Arial"/>
-                <a:cs typeface="Arial"/>
-                <a:sym typeface="Arial"/>
-              </a:rPr>
-            </a:br>
-            <a:r>
-              <a:rPr b="0" i="0" lang="en" sz="600" u="none" cap="none" strike="noStrike">
-                <a:solidFill>
-                  <a:schemeClr val="dk1"/>
-                </a:solidFill>
-                <a:latin typeface="Arial"/>
-                <a:ea typeface="Arial"/>
-                <a:cs typeface="Arial"/>
-                <a:sym typeface="Arial"/>
-              </a:rPr>
-              <a:t>gateway</a:t>
-            </a:r>
-            <a:endParaRPr sz="700"/>
-          </a:p>
-        </p:txBody>
-      </p:sp>
-      <p:pic>
-        <p:nvPicPr>
-          <p:cNvPr id="192" name="Google Shape;192;p25"/>
-          <p:cNvPicPr preferRelativeResize="0"/>
-          <p:nvPr/>
-        </p:nvPicPr>
-        <p:blipFill rotWithShape="1">
-          <a:blip r:embed="rId5">
-            <a:alphaModFix/>
-          </a:blip>
-          <a:srcRect b="0" l="0" r="0" t="0"/>
-          <a:stretch/>
-        </p:blipFill>
-        <p:spPr>
-          <a:xfrm>
-            <a:off x="6608636" y="1056714"/>
-            <a:ext cx="214312" cy="214312"/>
-          </a:xfrm>
-          <a:prstGeom prst="rect">
-            <a:avLst/>
-          </a:prstGeom>
-          <a:noFill/>
-          <a:ln>
-            <a:noFill/>
-          </a:ln>
-        </p:spPr>
-      </p:pic>
-      <p:sp>
-        <p:nvSpPr>
-          <p:cNvPr id="193" name="Google Shape;193;p25"/>
-          <p:cNvSpPr txBox="1"/>
-          <p:nvPr/>
-        </p:nvSpPr>
-        <p:spPr>
-          <a:xfrm>
-            <a:off x="6439750" y="2206020"/>
-            <a:ext cx="549900" cy="233400"/>
-          </a:xfrm>
-          <a:prstGeom prst="rect">
-            <a:avLst/>
-          </a:prstGeom>
-          <a:noFill/>
-          <a:ln>
-            <a:noFill/>
-          </a:ln>
-        </p:spPr>
-        <p:txBody>
-          <a:bodyPr anchorCtr="0" anchor="t" bIns="24075" lIns="48150" spcFirstLastPara="1" rIns="48150" wrap="square" tIns="24075">
-            <a:spAutoFit/>
-          </a:bodyPr>
-          <a:lstStyle/>
-          <a:p>
-            <a:pPr indent="0" lvl="0" marL="0" marR="0" rtl="0" algn="ctr">
-              <a:spcBef>
-                <a:spcPts val="0"/>
-              </a:spcBef>
-              <a:spcAft>
-                <a:spcPts val="0"/>
-              </a:spcAft>
-              <a:buNone/>
-            </a:pPr>
-            <a:r>
-              <a:rPr lang="en" sz="600">
-                <a:solidFill>
-                  <a:schemeClr val="dk1"/>
-                </a:solidFill>
-              </a:rPr>
-              <a:t>Private </a:t>
-            </a:r>
-            <a:r>
-              <a:rPr b="0" i="0" lang="en" sz="600" u="none" cap="none" strike="noStrike">
-                <a:solidFill>
-                  <a:schemeClr val="dk1"/>
-                </a:solidFill>
-                <a:latin typeface="Arial"/>
-                <a:ea typeface="Arial"/>
-                <a:cs typeface="Arial"/>
-                <a:sym typeface="Arial"/>
-              </a:rPr>
-              <a:t>NAT</a:t>
-            </a:r>
-            <a:br>
-              <a:rPr b="0" i="0" lang="en" sz="600" u="none" cap="none" strike="noStrike">
-                <a:solidFill>
-                  <a:schemeClr val="dk1"/>
-                </a:solidFill>
-                <a:latin typeface="Arial"/>
-                <a:ea typeface="Arial"/>
-                <a:cs typeface="Arial"/>
-                <a:sym typeface="Arial"/>
-              </a:rPr>
-            </a:br>
-            <a:r>
-              <a:rPr b="0" i="0" lang="en" sz="600" u="none" cap="none" strike="noStrike">
-                <a:solidFill>
-                  <a:schemeClr val="dk1"/>
-                </a:solidFill>
-                <a:latin typeface="Arial"/>
-                <a:ea typeface="Arial"/>
-                <a:cs typeface="Arial"/>
-                <a:sym typeface="Arial"/>
-              </a:rPr>
-              <a:t>gateway</a:t>
-            </a:r>
-            <a:endParaRPr sz="700"/>
-          </a:p>
-        </p:txBody>
-      </p:sp>
-      <p:pic>
-        <p:nvPicPr>
-          <p:cNvPr id="194" name="Google Shape;194;p25"/>
+          <p:cNvPr id="186" name="Google Shape;186;p25"/>
           <p:cNvPicPr preferRelativeResize="0"/>
           <p:nvPr/>
         </p:nvPicPr>
@@ -18357,6 +18095,268 @@
           </a:ln>
         </p:spPr>
       </p:pic>
+      <p:sp>
+        <p:nvSpPr>
+          <p:cNvPr id="187" name="Google Shape;187;p25"/>
+          <p:cNvSpPr txBox="1"/>
+          <p:nvPr/>
+        </p:nvSpPr>
+        <p:spPr>
+          <a:xfrm>
+            <a:off x="3202542" y="2788864"/>
+            <a:ext cx="1033200" cy="233400"/>
+          </a:xfrm>
+          <a:prstGeom prst="rect">
+            <a:avLst/>
+          </a:prstGeom>
+          <a:noFill/>
+          <a:ln>
+            <a:noFill/>
+          </a:ln>
+        </p:spPr>
+        <p:txBody>
+          <a:bodyPr anchorCtr="0" anchor="t" bIns="24075" lIns="0" spcFirstLastPara="1" rIns="0" wrap="square" tIns="24075">
+            <a:spAutoFit/>
+          </a:bodyPr>
+          <a:lstStyle/>
+          <a:p>
+            <a:pPr indent="0" lvl="0" marL="0" marR="0" rtl="0" algn="ctr">
+              <a:spcBef>
+                <a:spcPts val="0"/>
+              </a:spcBef>
+              <a:spcAft>
+                <a:spcPts val="0"/>
+              </a:spcAft>
+              <a:buNone/>
+            </a:pPr>
+            <a:r>
+              <a:rPr lang="en" sz="600">
+                <a:solidFill>
+                  <a:schemeClr val="dk1"/>
+                </a:solidFill>
+              </a:rPr>
+              <a:t>Environment and Data Lake cluster nodes</a:t>
+            </a:r>
+            <a:endParaRPr sz="600">
+              <a:solidFill>
+                <a:schemeClr val="dk1"/>
+              </a:solidFill>
+            </a:endParaRPr>
+          </a:p>
+        </p:txBody>
+      </p:sp>
+      <p:pic>
+        <p:nvPicPr>
+          <p:cNvPr id="188" name="Google Shape;188;p25"/>
+          <p:cNvPicPr preferRelativeResize="0"/>
+          <p:nvPr/>
+        </p:nvPicPr>
+        <p:blipFill rotWithShape="1">
+          <a:blip r:embed="rId14">
+            <a:alphaModFix/>
+          </a:blip>
+          <a:srcRect b="0" l="0" r="0" t="0"/>
+          <a:stretch/>
+        </p:blipFill>
+        <p:spPr>
+          <a:xfrm>
+            <a:off x="3594615" y="2570608"/>
+            <a:ext cx="214312" cy="214312"/>
+          </a:xfrm>
+          <a:prstGeom prst="rect">
+            <a:avLst/>
+          </a:prstGeom>
+          <a:noFill/>
+          <a:ln>
+            <a:noFill/>
+          </a:ln>
+        </p:spPr>
+      </p:pic>
+      <p:pic>
+        <p:nvPicPr>
+          <p:cNvPr id="189" name="Google Shape;189;p25"/>
+          <p:cNvPicPr preferRelativeResize="0"/>
+          <p:nvPr/>
+        </p:nvPicPr>
+        <p:blipFill rotWithShape="1">
+          <a:blip r:embed="rId14">
+            <a:alphaModFix/>
+          </a:blip>
+          <a:srcRect b="0" l="0" r="0" t="0"/>
+          <a:stretch/>
+        </p:blipFill>
+        <p:spPr>
+          <a:xfrm>
+            <a:off x="3304138" y="2570608"/>
+            <a:ext cx="214312" cy="214312"/>
+          </a:xfrm>
+          <a:prstGeom prst="rect">
+            <a:avLst/>
+          </a:prstGeom>
+          <a:noFill/>
+          <a:ln>
+            <a:noFill/>
+          </a:ln>
+        </p:spPr>
+      </p:pic>
+      <p:pic>
+        <p:nvPicPr>
+          <p:cNvPr id="190" name="Google Shape;190;p25"/>
+          <p:cNvPicPr preferRelativeResize="0"/>
+          <p:nvPr/>
+        </p:nvPicPr>
+        <p:blipFill rotWithShape="1">
+          <a:blip r:embed="rId14">
+            <a:alphaModFix/>
+          </a:blip>
+          <a:srcRect b="0" l="0" r="0" t="0"/>
+          <a:stretch/>
+        </p:blipFill>
+        <p:spPr>
+          <a:xfrm>
+            <a:off x="3862932" y="2570608"/>
+            <a:ext cx="214312" cy="214312"/>
+          </a:xfrm>
+          <a:prstGeom prst="rect">
+            <a:avLst/>
+          </a:prstGeom>
+          <a:noFill/>
+          <a:ln>
+            <a:noFill/>
+          </a:ln>
+        </p:spPr>
+      </p:pic>
+      <p:sp>
+        <p:nvSpPr>
+          <p:cNvPr id="191" name="Google Shape;191;p25"/>
+          <p:cNvSpPr txBox="1"/>
+          <p:nvPr/>
+        </p:nvSpPr>
+        <p:spPr>
+          <a:xfrm>
+            <a:off x="6202220" y="2788864"/>
+            <a:ext cx="1033200" cy="233400"/>
+          </a:xfrm>
+          <a:prstGeom prst="rect">
+            <a:avLst/>
+          </a:prstGeom>
+          <a:noFill/>
+          <a:ln>
+            <a:noFill/>
+          </a:ln>
+        </p:spPr>
+        <p:txBody>
+          <a:bodyPr anchorCtr="0" anchor="t" bIns="24075" lIns="0" spcFirstLastPara="1" rIns="0" wrap="square" tIns="24075">
+            <a:spAutoFit/>
+          </a:bodyPr>
+          <a:lstStyle/>
+          <a:p>
+            <a:pPr indent="0" lvl="0" marL="0" marR="0" rtl="0" algn="ctr">
+              <a:spcBef>
+                <a:spcPts val="0"/>
+              </a:spcBef>
+              <a:spcAft>
+                <a:spcPts val="0"/>
+              </a:spcAft>
+              <a:buNone/>
+            </a:pPr>
+            <a:r>
+              <a:rPr lang="en" sz="600">
+                <a:solidFill>
+                  <a:schemeClr val="dk1"/>
+                </a:solidFill>
+              </a:rPr>
+              <a:t>Environment and Data Lake cluster nodes</a:t>
+            </a:r>
+            <a:endParaRPr sz="600">
+              <a:solidFill>
+                <a:schemeClr val="dk1"/>
+              </a:solidFill>
+            </a:endParaRPr>
+          </a:p>
+        </p:txBody>
+      </p:sp>
+      <p:pic>
+        <p:nvPicPr>
+          <p:cNvPr id="192" name="Google Shape;192;p25"/>
+          <p:cNvPicPr preferRelativeResize="0"/>
+          <p:nvPr/>
+        </p:nvPicPr>
+        <p:blipFill rotWithShape="1">
+          <a:blip r:embed="rId14">
+            <a:alphaModFix/>
+          </a:blip>
+          <a:srcRect b="0" l="0" r="0" t="0"/>
+          <a:stretch/>
+        </p:blipFill>
+        <p:spPr>
+          <a:xfrm>
+            <a:off x="6594294" y="2570608"/>
+            <a:ext cx="214312" cy="214312"/>
+          </a:xfrm>
+          <a:prstGeom prst="rect">
+            <a:avLst/>
+          </a:prstGeom>
+          <a:noFill/>
+          <a:ln>
+            <a:noFill/>
+          </a:ln>
+        </p:spPr>
+      </p:pic>
+      <p:pic>
+        <p:nvPicPr>
+          <p:cNvPr id="193" name="Google Shape;193;p25"/>
+          <p:cNvPicPr preferRelativeResize="0"/>
+          <p:nvPr/>
+        </p:nvPicPr>
+        <p:blipFill rotWithShape="1">
+          <a:blip r:embed="rId14">
+            <a:alphaModFix/>
+          </a:blip>
+          <a:srcRect b="0" l="0" r="0" t="0"/>
+          <a:stretch/>
+        </p:blipFill>
+        <p:spPr>
+          <a:xfrm>
+            <a:off x="6303816" y="2570608"/>
+            <a:ext cx="214312" cy="214312"/>
+          </a:xfrm>
+          <a:prstGeom prst="rect">
+            <a:avLst/>
+          </a:prstGeom>
+          <a:noFill/>
+          <a:ln>
+            <a:noFill/>
+          </a:ln>
+        </p:spPr>
+      </p:pic>
+      <p:pic>
+        <p:nvPicPr>
+          <p:cNvPr id="194" name="Google Shape;194;p25"/>
+          <p:cNvPicPr preferRelativeResize="0"/>
+          <p:nvPr/>
+        </p:nvPicPr>
+        <p:blipFill rotWithShape="1">
+          <a:blip r:embed="rId14">
+            <a:alphaModFix/>
+          </a:blip>
+          <a:srcRect b="0" l="0" r="0" t="0"/>
+          <a:stretch/>
+        </p:blipFill>
+        <p:spPr>
+          <a:xfrm>
+            <a:off x="6862610" y="2570608"/>
+            <a:ext cx="214312" cy="214312"/>
+          </a:xfrm>
+          <a:prstGeom prst="rect">
+            <a:avLst/>
+          </a:prstGeom>
+          <a:noFill/>
+          <a:ln>
+            <a:noFill/>
+          </a:ln>
+        </p:spPr>
+      </p:pic>
     </p:spTree>
   </p:cSld>
   <p:clrMapOvr>
@@ -18366,285 +18366,6 @@
 </file>
 
 <file path=ppt/theme/theme1.xml><?xml version="1.0" encoding="utf-8"?>
-<a:theme xmlns:a="http://schemas.openxmlformats.org/drawingml/2006/main" xmlns:r="http://schemas.openxmlformats.org/officeDocument/2006/relationships" name="Simple Light">
-  <a:themeElements>
-    <a:clrScheme name="Simple Light">
-      <a:dk1>
-        <a:srgbClr val="000000"/>
-      </a:dk1>
-      <a:lt1>
-        <a:srgbClr val="FFFFFF"/>
-      </a:lt1>
-      <a:dk2>
-        <a:srgbClr val="595959"/>
-      </a:dk2>
-      <a:lt2>
-        <a:srgbClr val="EEEEEE"/>
-      </a:lt2>
-      <a:accent1>
-        <a:srgbClr val="4285F4"/>
-      </a:accent1>
-      <a:accent2>
-        <a:srgbClr val="212121"/>
-      </a:accent2>
-      <a:accent3>
-        <a:srgbClr val="78909C"/>
-      </a:accent3>
-      <a:accent4>
-        <a:srgbClr val="FFAB40"/>
-      </a:accent4>
-      <a:accent5>
-        <a:srgbClr val="0097A7"/>
-      </a:accent5>
-      <a:accent6>
-        <a:srgbClr val="EEFF41"/>
-      </a:accent6>
-      <a:hlink>
-        <a:srgbClr val="0097A7"/>
-      </a:hlink>
-      <a:folHlink>
-        <a:srgbClr val="0097A7"/>
-      </a:folHlink>
-    </a:clrScheme>
-    <a:fontScheme name="Office">
-      <a:majorFont>
-        <a:latin typeface="Arial"/>
-        <a:ea typeface=""/>
-        <a:cs typeface=""/>
-        <a:font script="Jpan" typeface="ＭＳ Ｐゴシック"/>
-        <a:font script="Hang" typeface="맑은 고딕"/>
-        <a:font script="Hans" typeface="宋体"/>
-        <a:font script="Hant" typeface="新細明體"/>
-        <a:font script="Arab" typeface="Times New Roman"/>
-        <a:font script="Hebr" typeface="Times New Roman"/>
-        <a:font script="Thai" typeface="Angsana New"/>
-        <a:font script="Ethi" typeface="Nyala"/>
-        <a:font script="Beng" typeface="Vrinda"/>
-        <a:font script="Gujr" typeface="Shruti"/>
-        <a:font script="Khmr" typeface="MoolBoran"/>
-        <a:font script="Knda" typeface="Tunga"/>
-        <a:font script="Guru" typeface="Raavi"/>
-        <a:font script="Cans" typeface="Euphemia"/>
-        <a:font script="Cher" typeface="Plantagenet Cherokee"/>
-        <a:font script="Yiii" typeface="Microsoft Yi Baiti"/>
-        <a:font script="Tibt" typeface="Microsoft Himalaya"/>
-        <a:font script="Thaa" typeface="MV Boli"/>
-        <a:font script="Deva" typeface="Mangal"/>
-        <a:font script="Telu" typeface="Gautami"/>
-        <a:font script="Taml" typeface="Latha"/>
-        <a:font script="Syrc" typeface="Estrangelo Edessa"/>
-        <a:font script="Orya" typeface="Kalinga"/>
-        <a:font script="Mlym" typeface="Kartika"/>
-        <a:font script="Laoo" typeface="DokChampa"/>
-        <a:font script="Sinh" typeface="Iskoola Pota"/>
-        <a:font script="Mong" typeface="Mongolian Baiti"/>
-        <a:font script="Viet" typeface="Times New Roman"/>
-        <a:font script="Uigh" typeface="Microsoft Uighur"/>
-        <a:font script="Geor" typeface="Sylfaen"/>
-      </a:majorFont>
-      <a:minorFont>
-        <a:latin typeface="Arial"/>
-        <a:ea typeface=""/>
-        <a:cs typeface=""/>
-        <a:font script="Jpan" typeface="ＭＳ Ｐゴシック"/>
-        <a:font script="Hang" typeface="맑은 고딕"/>
-        <a:font script="Hans" typeface="宋体"/>
-        <a:font script="Hant" typeface="新細明體"/>
-        <a:font script="Arab" typeface="Arial"/>
-        <a:font script="Hebr" typeface="Arial"/>
-        <a:font script="Thai" typeface="Cordia New"/>
-        <a:font script="Ethi" typeface="Nyala"/>
-        <a:font script="Beng" typeface="Vrinda"/>
-        <a:font script="Gujr" typeface="Shruti"/>
-        <a:font script="Khmr" typeface="DaunPenh"/>
-        <a:font script="Knda" typeface="Tunga"/>
-        <a:font script="Guru" typeface="Raavi"/>
-        <a:font script="Cans" typeface="Euphemia"/>
-        <a:font script="Cher" typeface="Plantagenet Cherokee"/>
-        <a:font script="Yiii" typeface="Microsoft Yi Baiti"/>
-        <a:font script="Tibt" typeface="Microsoft Himalaya"/>
-        <a:font script="Thaa" typeface="MV Boli"/>
-        <a:font script="Deva" typeface="Mangal"/>
-        <a:font script="Telu" typeface="Gautami"/>
-        <a:font script="Taml" typeface="Latha"/>
-        <a:font script="Syrc" typeface="Estrangelo Edessa"/>
-        <a:font script="Orya" typeface="Kalinga"/>
-        <a:font script="Mlym" typeface="Kartika"/>
-        <a:font script="Laoo" typeface="DokChampa"/>
-        <a:font script="Sinh" typeface="Iskoola Pota"/>
-        <a:font script="Mong" typeface="Mongolian Baiti"/>
-        <a:font script="Viet" typeface="Arial"/>
-        <a:font script="Uigh" typeface="Microsoft Uighur"/>
-        <a:font script="Geor" typeface="Sylfaen"/>
-      </a:minorFont>
-    </a:fontScheme>
-    <a:fmtScheme name="Office">
-      <a:fillStyleLst>
-        <a:solidFill>
-          <a:schemeClr val="phClr"/>
-        </a:solidFill>
-        <a:gradFill rotWithShape="1">
-          <a:gsLst>
-            <a:gs pos="0">
-              <a:schemeClr val="phClr">
-                <a:tint val="50000"/>
-                <a:satMod val="300000"/>
-              </a:schemeClr>
-            </a:gs>
-            <a:gs pos="35000">
-              <a:schemeClr val="phClr">
-                <a:tint val="37000"/>
-                <a:satMod val="300000"/>
-              </a:schemeClr>
-            </a:gs>
-            <a:gs pos="100000">
-              <a:schemeClr val="phClr">
-                <a:tint val="15000"/>
-                <a:satMod val="350000"/>
-              </a:schemeClr>
-            </a:gs>
-          </a:gsLst>
-          <a:lin ang="16200000" scaled="1"/>
-        </a:gradFill>
-        <a:gradFill rotWithShape="1">
-          <a:gsLst>
-            <a:gs pos="0">
-              <a:schemeClr val="phClr">
-                <a:tint val="100000"/>
-                <a:shade val="100000"/>
-                <a:satMod val="130000"/>
-              </a:schemeClr>
-            </a:gs>
-            <a:gs pos="100000">
-              <a:schemeClr val="phClr">
-                <a:tint val="50000"/>
-                <a:shade val="100000"/>
-                <a:satMod val="350000"/>
-              </a:schemeClr>
-            </a:gs>
-          </a:gsLst>
-          <a:lin ang="16200000" scaled="0"/>
-        </a:gradFill>
-      </a:fillStyleLst>
-      <a:lnStyleLst>
-        <a:ln w="9525" cap="flat" cmpd="sng" algn="ctr">
-          <a:solidFill>
-            <a:schemeClr val="phClr">
-              <a:shade val="95000"/>
-              <a:satMod val="105000"/>
-            </a:schemeClr>
-          </a:solidFill>
-          <a:prstDash val="solid"/>
-        </a:ln>
-        <a:ln w="25400" cap="flat" cmpd="sng" algn="ctr">
-          <a:solidFill>
-            <a:schemeClr val="phClr"/>
-          </a:solidFill>
-          <a:prstDash val="solid"/>
-        </a:ln>
-        <a:ln w="38100" cap="flat" cmpd="sng" algn="ctr">
-          <a:solidFill>
-            <a:schemeClr val="phClr"/>
-          </a:solidFill>
-          <a:prstDash val="solid"/>
-        </a:ln>
-      </a:lnStyleLst>
-      <a:effectStyleLst>
-        <a:effectStyle>
-          <a:effectLst>
-            <a:outerShdw blurRad="40000" dist="20000" dir="5400000" rotWithShape="0">
-              <a:srgbClr val="000000">
-                <a:alpha val="38000"/>
-              </a:srgbClr>
-            </a:outerShdw>
-          </a:effectLst>
-        </a:effectStyle>
-        <a:effectStyle>
-          <a:effectLst>
-            <a:outerShdw blurRad="40000" dist="23000" dir="5400000" rotWithShape="0">
-              <a:srgbClr val="000000">
-                <a:alpha val="35000"/>
-              </a:srgbClr>
-            </a:outerShdw>
-          </a:effectLst>
-        </a:effectStyle>
-        <a:effectStyle>
-          <a:effectLst>
-            <a:outerShdw blurRad="40000" dist="23000" dir="5400000" rotWithShape="0">
-              <a:srgbClr val="000000">
-                <a:alpha val="35000"/>
-              </a:srgbClr>
-            </a:outerShdw>
-          </a:effectLst>
-          <a:scene3d>
-            <a:camera prst="orthographicFront">
-              <a:rot lat="0" lon="0" rev="0"/>
-            </a:camera>
-            <a:lightRig rig="threePt" dir="t">
-              <a:rot lat="0" lon="0" rev="1200000"/>
-            </a:lightRig>
-          </a:scene3d>
-          <a:sp3d>
-            <a:bevelT w="63500" h="25400"/>
-          </a:sp3d>
-        </a:effectStyle>
-      </a:effectStyleLst>
-      <a:bgFillStyleLst>
-        <a:solidFill>
-          <a:schemeClr val="phClr"/>
-        </a:solidFill>
-        <a:gradFill rotWithShape="1">
-          <a:gsLst>
-            <a:gs pos="0">
-              <a:schemeClr val="phClr">
-                <a:tint val="40000"/>
-                <a:satMod val="350000"/>
-              </a:schemeClr>
-            </a:gs>
-            <a:gs pos="40000">
-              <a:schemeClr val="phClr">
-                <a:tint val="45000"/>
-                <a:shade val="99000"/>
-                <a:satMod val="350000"/>
-              </a:schemeClr>
-            </a:gs>
-            <a:gs pos="100000">
-              <a:schemeClr val="phClr">
-                <a:shade val="20000"/>
-                <a:satMod val="255000"/>
-              </a:schemeClr>
-            </a:gs>
-          </a:gsLst>
-          <a:path path="circle">
-            <a:fillToRect l="50000" t="-80000" r="50000" b="180000"/>
-          </a:path>
-        </a:gradFill>
-        <a:gradFill rotWithShape="1">
-          <a:gsLst>
-            <a:gs pos="0">
-              <a:schemeClr val="phClr">
-                <a:tint val="80000"/>
-                <a:satMod val="300000"/>
-              </a:schemeClr>
-            </a:gs>
-            <a:gs pos="100000">
-              <a:schemeClr val="phClr">
-                <a:shade val="30000"/>
-                <a:satMod val="200000"/>
-              </a:schemeClr>
-            </a:gs>
-          </a:gsLst>
-          <a:path path="circle">
-            <a:fillToRect l="50000" t="50000" r="50000" b="50000"/>
-          </a:path>
-        </a:gradFill>
-      </a:bgFillStyleLst>
-    </a:fmtScheme>
-  </a:themeElements>
-</a:theme>
-</file>
-
-<file path=ppt/theme/theme2.xml><?xml version="1.0" encoding="utf-8"?>
 <a:theme xmlns:a="http://schemas.openxmlformats.org/drawingml/2006/main" xmlns:r="http://schemas.openxmlformats.org/officeDocument/2006/relationships" name="3_Office Theme">
   <a:themeElements>
     <a:clrScheme name="Office Theme">
@@ -18923,7 +18644,7 @@
 </a:theme>
 </file>
 
-<file path=ppt/theme/theme3.xml><?xml version="1.0" encoding="utf-8"?>
+<file path=ppt/theme/theme2.xml><?xml version="1.0" encoding="utf-8"?>
 <a:theme xmlns:a="http://schemas.openxmlformats.org/drawingml/2006/main" xmlns:r="http://schemas.openxmlformats.org/officeDocument/2006/relationships">
   <a:themeElements>
     <a:clrScheme name="Default">
@@ -19200,4 +18921,283 @@
     </a:fmtScheme>
   </a:themeElements>
 </a:theme>
+</file>
+
+<file path=ppt/theme/theme3.xml><?xml version="1.0" encoding="utf-8"?>
+<a:theme xmlns:a="http://schemas.openxmlformats.org/drawingml/2006/main" xmlns:r="http://schemas.openxmlformats.org/officeDocument/2006/relationships" name="Simple Light">
+  <a:themeElements>
+    <a:clrScheme name="Simple Light">
+      <a:dk1>
+        <a:srgbClr val="000000"/>
+      </a:dk1>
+      <a:lt1>
+        <a:srgbClr val="FFFFFF"/>
+      </a:lt1>
+      <a:dk2>
+        <a:srgbClr val="595959"/>
+      </a:dk2>
+      <a:lt2>
+        <a:srgbClr val="EEEEEE"/>
+      </a:lt2>
+      <a:accent1>
+        <a:srgbClr val="4285F4"/>
+      </a:accent1>
+      <a:accent2>
+        <a:srgbClr val="212121"/>
+      </a:accent2>
+      <a:accent3>
+        <a:srgbClr val="78909C"/>
+      </a:accent3>
+      <a:accent4>
+        <a:srgbClr val="FFAB40"/>
+      </a:accent4>
+      <a:accent5>
+        <a:srgbClr val="0097A7"/>
+      </a:accent5>
+      <a:accent6>
+        <a:srgbClr val="EEFF41"/>
+      </a:accent6>
+      <a:hlink>
+        <a:srgbClr val="0097A7"/>
+      </a:hlink>
+      <a:folHlink>
+        <a:srgbClr val="0097A7"/>
+      </a:folHlink>
+    </a:clrScheme>
+    <a:fontScheme name="Office">
+      <a:majorFont>
+        <a:latin typeface="Arial"/>
+        <a:ea typeface=""/>
+        <a:cs typeface=""/>
+        <a:font script="Jpan" typeface="ＭＳ Ｐゴシック"/>
+        <a:font script="Hang" typeface="맑은 고딕"/>
+        <a:font script="Hans" typeface="宋体"/>
+        <a:font script="Hant" typeface="新細明體"/>
+        <a:font script="Arab" typeface="Times New Roman"/>
+        <a:font script="Hebr" typeface="Times New Roman"/>
+        <a:font script="Thai" typeface="Angsana New"/>
+        <a:font script="Ethi" typeface="Nyala"/>
+        <a:font script="Beng" typeface="Vrinda"/>
+        <a:font script="Gujr" typeface="Shruti"/>
+        <a:font script="Khmr" typeface="MoolBoran"/>
+        <a:font script="Knda" typeface="Tunga"/>
+        <a:font script="Guru" typeface="Raavi"/>
+        <a:font script="Cans" typeface="Euphemia"/>
+        <a:font script="Cher" typeface="Plantagenet Cherokee"/>
+        <a:font script="Yiii" typeface="Microsoft Yi Baiti"/>
+        <a:font script="Tibt" typeface="Microsoft Himalaya"/>
+        <a:font script="Thaa" typeface="MV Boli"/>
+        <a:font script="Deva" typeface="Mangal"/>
+        <a:font script="Telu" typeface="Gautami"/>
+        <a:font script="Taml" typeface="Latha"/>
+        <a:font script="Syrc" typeface="Estrangelo Edessa"/>
+        <a:font script="Orya" typeface="Kalinga"/>
+        <a:font script="Mlym" typeface="Kartika"/>
+        <a:font script="Laoo" typeface="DokChampa"/>
+        <a:font script="Sinh" typeface="Iskoola Pota"/>
+        <a:font script="Mong" typeface="Mongolian Baiti"/>
+        <a:font script="Viet" typeface="Times New Roman"/>
+        <a:font script="Uigh" typeface="Microsoft Uighur"/>
+        <a:font script="Geor" typeface="Sylfaen"/>
+      </a:majorFont>
+      <a:minorFont>
+        <a:latin typeface="Arial"/>
+        <a:ea typeface=""/>
+        <a:cs typeface=""/>
+        <a:font script="Jpan" typeface="ＭＳ Ｐゴシック"/>
+        <a:font script="Hang" typeface="맑은 고딕"/>
+        <a:font script="Hans" typeface="宋体"/>
+        <a:font script="Hant" typeface="新細明體"/>
+        <a:font script="Arab" typeface="Arial"/>
+        <a:font script="Hebr" typeface="Arial"/>
+        <a:font script="Thai" typeface="Cordia New"/>
+        <a:font script="Ethi" typeface="Nyala"/>
+        <a:font script="Beng" typeface="Vrinda"/>
+        <a:font script="Gujr" typeface="Shruti"/>
+        <a:font script="Khmr" typeface="DaunPenh"/>
+        <a:font script="Knda" typeface="Tunga"/>
+        <a:font script="Guru" typeface="Raavi"/>
+        <a:font script="Cans" typeface="Euphemia"/>
+        <a:font script="Cher" typeface="Plantagenet Cherokee"/>
+        <a:font script="Yiii" typeface="Microsoft Yi Baiti"/>
+        <a:font script="Tibt" typeface="Microsoft Himalaya"/>
+        <a:font script="Thaa" typeface="MV Boli"/>
+        <a:font script="Deva" typeface="Mangal"/>
+        <a:font script="Telu" typeface="Gautami"/>
+        <a:font script="Taml" typeface="Latha"/>
+        <a:font script="Syrc" typeface="Estrangelo Edessa"/>
+        <a:font script="Orya" typeface="Kalinga"/>
+        <a:font script="Mlym" typeface="Kartika"/>
+        <a:font script="Laoo" typeface="DokChampa"/>
+        <a:font script="Sinh" typeface="Iskoola Pota"/>
+        <a:font script="Mong" typeface="Mongolian Baiti"/>
+        <a:font script="Viet" typeface="Arial"/>
+        <a:font script="Uigh" typeface="Microsoft Uighur"/>
+        <a:font script="Geor" typeface="Sylfaen"/>
+      </a:minorFont>
+    </a:fontScheme>
+    <a:fmtScheme name="Office">
+      <a:fillStyleLst>
+        <a:solidFill>
+          <a:schemeClr val="phClr"/>
+        </a:solidFill>
+        <a:gradFill rotWithShape="1">
+          <a:gsLst>
+            <a:gs pos="0">
+              <a:schemeClr val="phClr">
+                <a:tint val="50000"/>
+                <a:satMod val="300000"/>
+              </a:schemeClr>
+            </a:gs>
+            <a:gs pos="35000">
+              <a:schemeClr val="phClr">
+                <a:tint val="37000"/>
+                <a:satMod val="300000"/>
+              </a:schemeClr>
+            </a:gs>
+            <a:gs pos="100000">
+              <a:schemeClr val="phClr">
+                <a:tint val="15000"/>
+                <a:satMod val="350000"/>
+              </a:schemeClr>
+            </a:gs>
+          </a:gsLst>
+          <a:lin ang="16200000" scaled="1"/>
+        </a:gradFill>
+        <a:gradFill rotWithShape="1">
+          <a:gsLst>
+            <a:gs pos="0">
+              <a:schemeClr val="phClr">
+                <a:tint val="100000"/>
+                <a:shade val="100000"/>
+                <a:satMod val="130000"/>
+              </a:schemeClr>
+            </a:gs>
+            <a:gs pos="100000">
+              <a:schemeClr val="phClr">
+                <a:tint val="50000"/>
+                <a:shade val="100000"/>
+                <a:satMod val="350000"/>
+              </a:schemeClr>
+            </a:gs>
+          </a:gsLst>
+          <a:lin ang="16200000" scaled="0"/>
+        </a:gradFill>
+      </a:fillStyleLst>
+      <a:lnStyleLst>
+        <a:ln w="9525" cap="flat" cmpd="sng" algn="ctr">
+          <a:solidFill>
+            <a:schemeClr val="phClr">
+              <a:shade val="95000"/>
+              <a:satMod val="105000"/>
+            </a:schemeClr>
+          </a:solidFill>
+          <a:prstDash val="solid"/>
+        </a:ln>
+        <a:ln w="25400" cap="flat" cmpd="sng" algn="ctr">
+          <a:solidFill>
+            <a:schemeClr val="phClr"/>
+          </a:solidFill>
+          <a:prstDash val="solid"/>
+        </a:ln>
+        <a:ln w="38100" cap="flat" cmpd="sng" algn="ctr">
+          <a:solidFill>
+            <a:schemeClr val="phClr"/>
+          </a:solidFill>
+          <a:prstDash val="solid"/>
+        </a:ln>
+      </a:lnStyleLst>
+      <a:effectStyleLst>
+        <a:effectStyle>
+          <a:effectLst>
+            <a:outerShdw blurRad="40000" dist="20000" dir="5400000" rotWithShape="0">
+              <a:srgbClr val="000000">
+                <a:alpha val="38000"/>
+              </a:srgbClr>
+            </a:outerShdw>
+          </a:effectLst>
+        </a:effectStyle>
+        <a:effectStyle>
+          <a:effectLst>
+            <a:outerShdw blurRad="40000" dist="23000" dir="5400000" rotWithShape="0">
+              <a:srgbClr val="000000">
+                <a:alpha val="35000"/>
+              </a:srgbClr>
+            </a:outerShdw>
+          </a:effectLst>
+        </a:effectStyle>
+        <a:effectStyle>
+          <a:effectLst>
+            <a:outerShdw blurRad="40000" dist="23000" dir="5400000" rotWithShape="0">
+              <a:srgbClr val="000000">
+                <a:alpha val="35000"/>
+              </a:srgbClr>
+            </a:outerShdw>
+          </a:effectLst>
+          <a:scene3d>
+            <a:camera prst="orthographicFront">
+              <a:rot lat="0" lon="0" rev="0"/>
+            </a:camera>
+            <a:lightRig rig="threePt" dir="t">
+              <a:rot lat="0" lon="0" rev="1200000"/>
+            </a:lightRig>
+          </a:scene3d>
+          <a:sp3d>
+            <a:bevelT w="63500" h="25400"/>
+          </a:sp3d>
+        </a:effectStyle>
+      </a:effectStyleLst>
+      <a:bgFillStyleLst>
+        <a:solidFill>
+          <a:schemeClr val="phClr"/>
+        </a:solidFill>
+        <a:gradFill rotWithShape="1">
+          <a:gsLst>
+            <a:gs pos="0">
+              <a:schemeClr val="phClr">
+                <a:tint val="40000"/>
+                <a:satMod val="350000"/>
+              </a:schemeClr>
+            </a:gs>
+            <a:gs pos="40000">
+              <a:schemeClr val="phClr">
+                <a:tint val="45000"/>
+                <a:shade val="99000"/>
+                <a:satMod val="350000"/>
+              </a:schemeClr>
+            </a:gs>
+            <a:gs pos="100000">
+              <a:schemeClr val="phClr">
+                <a:shade val="20000"/>
+                <a:satMod val="255000"/>
+              </a:schemeClr>
+            </a:gs>
+          </a:gsLst>
+          <a:path path="circle">
+            <a:fillToRect l="50000" t="-80000" r="50000" b="180000"/>
+          </a:path>
+        </a:gradFill>
+        <a:gradFill rotWithShape="1">
+          <a:gsLst>
+            <a:gs pos="0">
+              <a:schemeClr val="phClr">
+                <a:tint val="80000"/>
+                <a:satMod val="300000"/>
+              </a:schemeClr>
+            </a:gs>
+            <a:gs pos="100000">
+              <a:schemeClr val="phClr">
+                <a:shade val="30000"/>
+                <a:satMod val="200000"/>
+              </a:schemeClr>
+            </a:gs>
+          </a:gsLst>
+          <a:path path="circle">
+            <a:fillToRect l="50000" t="50000" r="50000" b="50000"/>
+          </a:path>
+        </a:gradFill>
+      </a:bgFillStyleLst>
+    </a:fmtScheme>
+  </a:themeElements>
+</a:theme>
 </file>